--- a/2_graphing_messy_data_pandas/python_data_vis_2.pptx
+++ b/2_graphing_messy_data_pandas/python_data_vis_2.pptx
@@ -7,6 +7,8 @@
   <p:sldIdLst>
     <p:sldId id="256" r:id="rId2"/>
     <p:sldId id="357" r:id="rId3"/>
+    <p:sldId id="358" r:id="rId4"/>
+    <p:sldId id="359" r:id="rId5"/>
   </p:sldIdLst>
   <p:sldSz cx="16256000" cy="9144000"/>
   <p:notesSz cx="16256000" cy="9144000"/>
@@ -37,9 +39,76 @@
 <file path=ppt/revisionInfo.xml><?xml version="1.0" encoding="utf-8"?>
 <p1510:revInfo xmlns:a="http://schemas.openxmlformats.org/drawingml/2006/main" xmlns:r="http://schemas.openxmlformats.org/officeDocument/2006/relationships" xmlns:p1510="http://schemas.microsoft.com/office/powerpoint/2015/10/main">
   <p1510:revLst>
-    <p1510:client id="{A9C2FEF7-D1F4-0748-A563-53BA3AEA7B57}" v="2" dt="2025-10-20T14:04:36.095"/>
+    <p1510:client id="{A9C2FEF7-D1F4-0748-A563-53BA3AEA7B57}" v="5" dt="2025-10-22T15:56:08.205"/>
   </p1510:revLst>
 </p1510:revInfo>
+</file>
+
+<file path=ppt/changesInfos/changesInfo1.xml><?xml version="1.0" encoding="utf-8"?>
+<pc:chgInfo xmlns:a="http://schemas.openxmlformats.org/drawingml/2006/main" xmlns:r="http://schemas.openxmlformats.org/officeDocument/2006/relationships" xmlns:ac="http://schemas.microsoft.com/office/drawing/2013/main/command" xmlns:pc="http://schemas.microsoft.com/office/powerpoint/2013/main/command">
+  <pc:docChgLst>
+    <pc:chgData name="Carroll, Claudia" userId="5513adb2-3315-47c6-853b-61e74126e783" providerId="ADAL" clId="{FDB037B5-BC6E-529D-920A-0733451977A9}"/>
+    <pc:docChg chg="custSel addSld modSld sldOrd">
+      <pc:chgData name="Carroll, Claudia" userId="5513adb2-3315-47c6-853b-61e74126e783" providerId="ADAL" clId="{FDB037B5-BC6E-529D-920A-0733451977A9}" dt="2025-10-22T15:56:24.284" v="76" actId="20578"/>
+      <pc:docMkLst>
+        <pc:docMk/>
+      </pc:docMkLst>
+      <pc:sldChg chg="ord">
+        <pc:chgData name="Carroll, Claudia" userId="5513adb2-3315-47c6-853b-61e74126e783" providerId="ADAL" clId="{FDB037B5-BC6E-529D-920A-0733451977A9}" dt="2025-10-22T15:54:38.355" v="1" actId="20578"/>
+        <pc:sldMkLst>
+          <pc:docMk/>
+          <pc:sldMk cId="1367388239" sldId="357"/>
+        </pc:sldMkLst>
+      </pc:sldChg>
+      <pc:sldChg chg="addSp delSp modSp new mod ord">
+        <pc:chgData name="Carroll, Claudia" userId="5513adb2-3315-47c6-853b-61e74126e783" providerId="ADAL" clId="{FDB037B5-BC6E-529D-920A-0733451977A9}" dt="2025-10-22T15:56:24.284" v="76" actId="20578"/>
+        <pc:sldMkLst>
+          <pc:docMk/>
+          <pc:sldMk cId="382895082" sldId="358"/>
+        </pc:sldMkLst>
+        <pc:spChg chg="add del mod">
+          <ac:chgData name="Carroll, Claudia" userId="5513adb2-3315-47c6-853b-61e74126e783" providerId="ADAL" clId="{FDB037B5-BC6E-529D-920A-0733451977A9}" dt="2025-10-22T15:54:43.733" v="4"/>
+          <ac:spMkLst>
+            <pc:docMk/>
+            <pc:sldMk cId="382895082" sldId="358"/>
+            <ac:spMk id="2" creationId="{A25F4E83-444F-F220-10E8-CFDE781151EF}"/>
+          </ac:spMkLst>
+        </pc:spChg>
+      </pc:sldChg>
+      <pc:sldChg chg="addSp modSp new mod">
+        <pc:chgData name="Carroll, Claudia" userId="5513adb2-3315-47c6-853b-61e74126e783" providerId="ADAL" clId="{FDB037B5-BC6E-529D-920A-0733451977A9}" dt="2025-10-22T15:56:18.127" v="74" actId="1076"/>
+        <pc:sldMkLst>
+          <pc:docMk/>
+          <pc:sldMk cId="1486556607" sldId="359"/>
+        </pc:sldMkLst>
+        <pc:spChg chg="mod">
+          <ac:chgData name="Carroll, Claudia" userId="5513adb2-3315-47c6-853b-61e74126e783" providerId="ADAL" clId="{FDB037B5-BC6E-529D-920A-0733451977A9}" dt="2025-10-22T15:55:22.248" v="66" actId="20577"/>
+          <ac:spMkLst>
+            <pc:docMk/>
+            <pc:sldMk cId="1486556607" sldId="359"/>
+            <ac:spMk id="2" creationId="{72BEF35A-2461-98BF-94D6-45549D5AD251}"/>
+          </ac:spMkLst>
+        </pc:spChg>
+        <pc:spChg chg="mod">
+          <ac:chgData name="Carroll, Claudia" userId="5513adb2-3315-47c6-853b-61e74126e783" providerId="ADAL" clId="{FDB037B5-BC6E-529D-920A-0733451977A9}" dt="2025-10-22T15:55:35.580" v="70" actId="122"/>
+          <ac:spMkLst>
+            <pc:docMk/>
+            <pc:sldMk cId="1486556607" sldId="359"/>
+            <ac:spMk id="3" creationId="{C92E8430-BD8C-BA87-8A57-3062362D4202}"/>
+          </ac:spMkLst>
+        </pc:spChg>
+        <pc:picChg chg="add mod">
+          <ac:chgData name="Carroll, Claudia" userId="5513adb2-3315-47c6-853b-61e74126e783" providerId="ADAL" clId="{FDB037B5-BC6E-529D-920A-0733451977A9}" dt="2025-10-22T15:56:18.127" v="74" actId="1076"/>
+          <ac:picMkLst>
+            <pc:docMk/>
+            <pc:sldMk cId="1486556607" sldId="359"/>
+            <ac:picMk id="5" creationId="{3856B845-1037-0DC4-D8F6-EB3363C95199}"/>
+          </ac:picMkLst>
+        </pc:picChg>
+      </pc:sldChg>
+    </pc:docChg>
+  </pc:docChgLst>
+</pc:chgInfo>
 </file>
 
 <file path=ppt/slideLayouts/slideLayout1.xml><?xml version="1.0" encoding="utf-8"?>
@@ -181,7 +250,7 @@
           <a:p>
             <a:fld id="{1D8BD707-D9CF-40AE-B4C6-C98DA3205C09}" type="datetimeFigureOut">
               <a:rPr lang="en-US"/>
-              <a:t>10/20/25</a:t>
+              <a:t>10/22/25</a:t>
             </a:fld>
             <a:endParaRPr lang="en-US" dirty="0"/>
           </a:p>
@@ -347,7 +416,7 @@
           <a:p>
             <a:fld id="{1D8BD707-D9CF-40AE-B4C6-C98DA3205C09}" type="datetimeFigureOut">
               <a:rPr lang="en-US"/>
-              <a:t>10/20/25</a:t>
+              <a:t>10/22/25</a:t>
             </a:fld>
             <a:endParaRPr lang="en-US" dirty="0"/>
           </a:p>
@@ -556,7 +625,7 @@
           <a:p>
             <a:fld id="{1D8BD707-D9CF-40AE-B4C6-C98DA3205C09}" type="datetimeFigureOut">
               <a:rPr lang="en-US"/>
-              <a:t>10/20/25</a:t>
+              <a:t>10/22/25</a:t>
             </a:fld>
             <a:endParaRPr lang="en-US" dirty="0"/>
           </a:p>
@@ -699,7 +768,7 @@
           <a:p>
             <a:fld id="{1D8BD707-D9CF-40AE-B4C6-C98DA3205C09}" type="datetimeFigureOut">
               <a:rPr lang="en-US"/>
-              <a:t>10/20/25</a:t>
+              <a:t>10/22/25</a:t>
             </a:fld>
             <a:endParaRPr lang="en-US" dirty="0"/>
           </a:p>
@@ -819,7 +888,7 @@
           <a:p>
             <a:fld id="{1D8BD707-D9CF-40AE-B4C6-C98DA3205C09}" type="datetimeFigureOut">
               <a:rPr lang="en-US"/>
-              <a:t>10/20/25</a:t>
+              <a:t>10/22/25</a:t>
             </a:fld>
             <a:endParaRPr lang="en-US" dirty="0"/>
           </a:p>
@@ -1083,7 +1152,7 @@
           <a:p>
             <a:fld id="{1D8BD707-D9CF-40AE-B4C6-C98DA3205C09}" type="datetimeFigureOut">
               <a:rPr lang="en-US"/>
-              <a:t>10/20/25</a:t>
+              <a:t>10/22/25</a:t>
             </a:fld>
             <a:endParaRPr lang="en-US" dirty="0"/>
           </a:p>
@@ -3195,7 +3264,7 @@
         </p:nvGraphicFramePr>
         <p:xfrm>
           <a:off x="1347284" y="1622627"/>
-          <a:ext cx="14027033" cy="6192711"/>
+          <a:ext cx="14027033" cy="6192774"/>
         </p:xfrm>
         <a:graphic>
           <a:graphicData uri="http://schemas.openxmlformats.org/drawingml/2006/table">
@@ -4121,6 +4190,190 @@
     <p:extLst>
       <p:ext uri="{BB962C8B-B14F-4D97-AF65-F5344CB8AC3E}">
         <p14:creationId xmlns:p14="http://schemas.microsoft.com/office/powerpoint/2010/main" val="1367388239"/>
+      </p:ext>
+    </p:extLst>
+  </p:cSld>
+  <p:clrMapOvr>
+    <a:masterClrMapping/>
+  </p:clrMapOvr>
+</p:sld>
+</file>
+
+<file path=ppt/slides/slide3.xml><?xml version="1.0" encoding="utf-8"?>
+<p:sld xmlns:a="http://schemas.openxmlformats.org/drawingml/2006/main" xmlns:r="http://schemas.openxmlformats.org/officeDocument/2006/relationships" xmlns:p="http://schemas.openxmlformats.org/presentationml/2006/main">
+  <p:cSld>
+    <p:spTree>
+      <p:nvGrpSpPr>
+        <p:cNvPr id="1" name=""/>
+        <p:cNvGrpSpPr/>
+        <p:nvPr/>
+      </p:nvGrpSpPr>
+      <p:grpSpPr>
+        <a:xfrm>
+          <a:off x="0" y="0"/>
+          <a:ext cx="0" cy="0"/>
+          <a:chOff x="0" y="0"/>
+          <a:chExt cx="0" cy="0"/>
+        </a:xfrm>
+      </p:grpSpPr>
+    </p:spTree>
+    <p:extLst>
+      <p:ext uri="{BB962C8B-B14F-4D97-AF65-F5344CB8AC3E}">
+        <p14:creationId xmlns:p14="http://schemas.microsoft.com/office/powerpoint/2010/main" val="382895082"/>
+      </p:ext>
+    </p:extLst>
+  </p:cSld>
+  <p:clrMapOvr>
+    <a:masterClrMapping/>
+  </p:clrMapOvr>
+</p:sld>
+</file>
+
+<file path=ppt/slides/slide4.xml><?xml version="1.0" encoding="utf-8"?>
+<p:sld xmlns:a="http://schemas.openxmlformats.org/drawingml/2006/main" xmlns:r="http://schemas.openxmlformats.org/officeDocument/2006/relationships" xmlns:p="http://schemas.openxmlformats.org/presentationml/2006/main">
+  <p:cSld>
+    <p:spTree>
+      <p:nvGrpSpPr>
+        <p:cNvPr id="1" name=""/>
+        <p:cNvGrpSpPr/>
+        <p:nvPr/>
+      </p:nvGrpSpPr>
+      <p:grpSpPr>
+        <a:xfrm>
+          <a:off x="0" y="0"/>
+          <a:ext cx="0" cy="0"/>
+          <a:chOff x="0" y="0"/>
+          <a:chExt cx="0" cy="0"/>
+        </a:xfrm>
+      </p:grpSpPr>
+      <p:sp>
+        <p:nvSpPr>
+          <p:cNvPr id="2" name="Title 1">
+            <a:extLst>
+              <a:ext uri="{FF2B5EF4-FFF2-40B4-BE49-F238E27FC236}">
+                <a16:creationId xmlns:a16="http://schemas.microsoft.com/office/drawing/2014/main" id="{72BEF35A-2461-98BF-94D6-45549D5AD251}"/>
+              </a:ext>
+            </a:extLst>
+          </p:cNvPr>
+          <p:cNvSpPr>
+            <a:spLocks noGrp="1"/>
+          </p:cNvSpPr>
+          <p:nvPr>
+            <p:ph type="title"/>
+          </p:nvPr>
+        </p:nvSpPr>
+        <p:spPr>
+          <a:xfrm>
+            <a:off x="812800" y="365760"/>
+            <a:ext cx="14630400" cy="677108"/>
+          </a:xfrm>
+        </p:spPr>
+        <p:txBody>
+          <a:bodyPr/>
+          <a:lstStyle/>
+          <a:p>
+            <a:pPr algn="ctr"/>
+            <a:r>
+              <a:rPr lang="en-US" sz="4400" dirty="0">
+                <a:latin typeface="Times New Roman" panose="02020603050405020304" pitchFamily="18" charset="0"/>
+                <a:cs typeface="Times New Roman" panose="02020603050405020304" pitchFamily="18" charset="0"/>
+              </a:rPr>
+              <a:t>Feedback Survey</a:t>
+            </a:r>
+          </a:p>
+        </p:txBody>
+      </p:sp>
+      <p:sp>
+        <p:nvSpPr>
+          <p:cNvPr id="3" name="Text Placeholder 2">
+            <a:extLst>
+              <a:ext uri="{FF2B5EF4-FFF2-40B4-BE49-F238E27FC236}">
+                <a16:creationId xmlns:a16="http://schemas.microsoft.com/office/drawing/2014/main" id="{C92E8430-BD8C-BA87-8A57-3062362D4202}"/>
+              </a:ext>
+            </a:extLst>
+          </p:cNvPr>
+          <p:cNvSpPr>
+            <a:spLocks noGrp="1"/>
+          </p:cNvSpPr>
+          <p:nvPr>
+            <p:ph type="body" idx="1"/>
+          </p:nvPr>
+        </p:nvSpPr>
+        <p:spPr>
+          <a:xfrm>
+            <a:off x="812800" y="2103120"/>
+            <a:ext cx="14630400" cy="553998"/>
+          </a:xfrm>
+        </p:spPr>
+        <p:txBody>
+          <a:bodyPr/>
+          <a:lstStyle/>
+          <a:p>
+            <a:pPr algn="ctr"/>
+            <a:r>
+              <a:rPr lang="en-US" sz="3600" dirty="0">
+                <a:latin typeface="Times New Roman" panose="02020603050405020304" pitchFamily="18" charset="0"/>
+                <a:cs typeface="Times New Roman" panose="02020603050405020304" pitchFamily="18" charset="0"/>
+              </a:rPr>
+              <a:t>https://</a:t>
+            </a:r>
+            <a:r>
+              <a:rPr lang="en-US" sz="3600" dirty="0" err="1">
+                <a:latin typeface="Times New Roman" panose="02020603050405020304" pitchFamily="18" charset="0"/>
+                <a:cs typeface="Times New Roman" panose="02020603050405020304" pitchFamily="18" charset="0"/>
+              </a:rPr>
+              <a:t>tinyurl.com</a:t>
+            </a:r>
+            <a:r>
+              <a:rPr lang="en-US" sz="3600" dirty="0">
+                <a:latin typeface="Times New Roman" panose="02020603050405020304" pitchFamily="18" charset="0"/>
+                <a:cs typeface="Times New Roman" panose="02020603050405020304" pitchFamily="18" charset="0"/>
+              </a:rPr>
+              <a:t>/5eapcdxn</a:t>
+            </a:r>
+          </a:p>
+        </p:txBody>
+      </p:sp>
+      <p:pic>
+        <p:nvPicPr>
+          <p:cNvPr id="5" name="Picture 4" descr="A qr code on a white background&#10;&#10;AI-generated content may be incorrect.">
+            <a:extLst>
+              <a:ext uri="{FF2B5EF4-FFF2-40B4-BE49-F238E27FC236}">
+                <a16:creationId xmlns:a16="http://schemas.microsoft.com/office/drawing/2014/main" id="{3856B845-1037-0DC4-D8F6-EB3363C95199}"/>
+              </a:ext>
+            </a:extLst>
+          </p:cNvPr>
+          <p:cNvPicPr>
+            <a:picLocks noChangeAspect="1"/>
+          </p:cNvPicPr>
+          <p:nvPr/>
+        </p:nvPicPr>
+        <p:blipFill>
+          <a:blip r:embed="rId2">
+            <a:extLst>
+              <a:ext uri="{28A0092B-C50C-407E-A947-70E740481C1C}">
+                <a14:useLocalDpi xmlns:a14="http://schemas.microsoft.com/office/drawing/2010/main" val="0"/>
+              </a:ext>
+            </a:extLst>
+          </a:blip>
+          <a:stretch>
+            <a:fillRect/>
+          </a:stretch>
+        </p:blipFill>
+        <p:spPr>
+          <a:xfrm>
+            <a:off x="6096000" y="3717370"/>
+            <a:ext cx="4064000" cy="4064000"/>
+          </a:xfrm>
+          <a:prstGeom prst="rect">
+            <a:avLst/>
+          </a:prstGeom>
+        </p:spPr>
+      </p:pic>
+    </p:spTree>
+    <p:extLst>
+      <p:ext uri="{BB962C8B-B14F-4D97-AF65-F5344CB8AC3E}">
+        <p14:creationId xmlns:p14="http://schemas.microsoft.com/office/powerpoint/2010/main" val="1486556607"/>
       </p:ext>
     </p:extLst>
   </p:cSld>
